--- a/files/code-rrt/End.pptx
+++ b/files/code-rrt/End.pptx
@@ -204,7 +204,7 @@
           <a:p>
             <a:fld id="{4FE6E09E-B46D-6345-9E27-C622AD4EDE94}" type="datetimeFigureOut">
               <a:rPr lang="en-US" smtClean="0"/>
-              <a:t>5/16/24</a:t>
+              <a:t>5/23/24</a:t>
             </a:fld>
             <a:endParaRPr lang="en-US"/>
           </a:p>
@@ -1329,7 +1329,7 @@
           <a:p>
             <a:fld id="{A5ABF877-5B99-7045-B638-7829F431D51D}" type="datetimeFigureOut">
               <a:rPr lang="en-US" smtClean="0"/>
-              <a:t>5/16/24</a:t>
+              <a:t>5/23/24</a:t>
             </a:fld>
             <a:endParaRPr lang="en-US"/>
           </a:p>
@@ -1527,7 +1527,7 @@
           <a:p>
             <a:fld id="{A5ABF877-5B99-7045-B638-7829F431D51D}" type="datetimeFigureOut">
               <a:rPr lang="en-US" smtClean="0"/>
-              <a:t>5/16/24</a:t>
+              <a:t>5/23/24</a:t>
             </a:fld>
             <a:endParaRPr lang="en-US"/>
           </a:p>
@@ -1735,7 +1735,7 @@
           <a:p>
             <a:fld id="{A5ABF877-5B99-7045-B638-7829F431D51D}" type="datetimeFigureOut">
               <a:rPr lang="en-US" smtClean="0"/>
-              <a:t>5/16/24</a:t>
+              <a:t>5/23/24</a:t>
             </a:fld>
             <a:endParaRPr lang="en-US"/>
           </a:p>
@@ -1933,7 +1933,7 @@
           <a:p>
             <a:fld id="{A5ABF877-5B99-7045-B638-7829F431D51D}" type="datetimeFigureOut">
               <a:rPr lang="en-US" smtClean="0"/>
-              <a:t>5/16/24</a:t>
+              <a:t>5/23/24</a:t>
             </a:fld>
             <a:endParaRPr lang="en-US"/>
           </a:p>
@@ -2208,7 +2208,7 @@
           <a:p>
             <a:fld id="{A5ABF877-5B99-7045-B638-7829F431D51D}" type="datetimeFigureOut">
               <a:rPr lang="en-US" smtClean="0"/>
-              <a:t>5/16/24</a:t>
+              <a:t>5/23/24</a:t>
             </a:fld>
             <a:endParaRPr lang="en-US"/>
           </a:p>
@@ -2473,7 +2473,7 @@
           <a:p>
             <a:fld id="{A5ABF877-5B99-7045-B638-7829F431D51D}" type="datetimeFigureOut">
               <a:rPr lang="en-US" smtClean="0"/>
-              <a:t>5/16/24</a:t>
+              <a:t>5/23/24</a:t>
             </a:fld>
             <a:endParaRPr lang="en-US"/>
           </a:p>
@@ -2885,7 +2885,7 @@
           <a:p>
             <a:fld id="{A5ABF877-5B99-7045-B638-7829F431D51D}" type="datetimeFigureOut">
               <a:rPr lang="en-US" smtClean="0"/>
-              <a:t>5/16/24</a:t>
+              <a:t>5/23/24</a:t>
             </a:fld>
             <a:endParaRPr lang="en-US"/>
           </a:p>
@@ -3026,7 +3026,7 @@
           <a:p>
             <a:fld id="{A5ABF877-5B99-7045-B638-7829F431D51D}" type="datetimeFigureOut">
               <a:rPr lang="en-US" smtClean="0"/>
-              <a:t>5/16/24</a:t>
+              <a:t>5/23/24</a:t>
             </a:fld>
             <a:endParaRPr lang="en-US"/>
           </a:p>
@@ -3139,7 +3139,7 @@
           <a:p>
             <a:fld id="{A5ABF877-5B99-7045-B638-7829F431D51D}" type="datetimeFigureOut">
               <a:rPr lang="en-US" smtClean="0"/>
-              <a:t>5/16/24</a:t>
+              <a:t>5/23/24</a:t>
             </a:fld>
             <a:endParaRPr lang="en-US"/>
           </a:p>
@@ -3450,7 +3450,7 @@
           <a:p>
             <a:fld id="{A5ABF877-5B99-7045-B638-7829F431D51D}" type="datetimeFigureOut">
               <a:rPr lang="en-US" smtClean="0"/>
-              <a:t>5/16/24</a:t>
+              <a:t>5/23/24</a:t>
             </a:fld>
             <a:endParaRPr lang="en-US"/>
           </a:p>
@@ -3738,7 +3738,7 @@
           <a:p>
             <a:fld id="{A5ABF877-5B99-7045-B638-7829F431D51D}" type="datetimeFigureOut">
               <a:rPr lang="en-US" smtClean="0"/>
-              <a:t>5/16/24</a:t>
+              <a:t>5/23/24</a:t>
             </a:fld>
             <a:endParaRPr lang="en-US"/>
           </a:p>
@@ -3979,7 +3979,7 @@
           <a:p>
             <a:fld id="{A5ABF877-5B99-7045-B638-7829F431D51D}" type="datetimeFigureOut">
               <a:rPr lang="en-US" smtClean="0"/>
-              <a:t>5/16/24</a:t>
+              <a:t>5/23/24</a:t>
             </a:fld>
             <a:endParaRPr lang="en-US"/>
           </a:p>
